--- a/Presentation/CodeChix - Mirror API.pptx
+++ b/Presentation/CodeChix - Mirror API.pptx
@@ -8954,7 +8954,7 @@
             </a:pPr>
             <a:r>
               <a:rPr lang="en"/>
-              <a:t>Stupid work-around for localhost subscriptions (don’t do this in production)</a:t>
+              <a:t>Stupid work-around for non-ssl subscriptions (don’t do this in production)</a:t>
             </a:r>
           </a:p>
           <a:p>
@@ -10517,9 +10517,9 @@
 </file>
 
 <file path=ppt/theme/theme1.xml><?xml version="1.0" encoding="utf-8"?>
-<a:theme xmlns:a="http://schemas.openxmlformats.org/drawingml/2006/main" xmlns:r="http://schemas.openxmlformats.org/officeDocument/2006/relationships" name="Custom Theme">
+<a:theme xmlns:a="http://schemas.openxmlformats.org/drawingml/2006/main" xmlns:r="http://schemas.openxmlformats.org/officeDocument/2006/relationships" name="modern">
   <a:themeElements>
-    <a:clrScheme name="Default">
+    <a:clrScheme name="Custom 348">
       <a:dk1>
         <a:srgbClr val="000000"/>
       </a:dk1>
@@ -10527,34 +10527,34 @@
         <a:srgbClr val="FFFFFF"/>
       </a:lt1>
       <a:dk2>
-        <a:srgbClr val="158158"/>
+        <a:srgbClr val="191919"/>
       </a:dk2>
       <a:lt2>
-        <a:srgbClr val="F3F3F3"/>
+        <a:srgbClr val="CCCCCC"/>
       </a:lt2>
       <a:accent1>
-        <a:srgbClr val="058DC7"/>
+        <a:srgbClr val="7E5554"/>
       </a:accent1>
       <a:accent2>
-        <a:srgbClr val="50B432"/>
+        <a:srgbClr val="910A10"/>
       </a:accent2>
       <a:accent3>
-        <a:srgbClr val="ED561B"/>
+        <a:srgbClr val="84294D"/>
       </a:accent3>
       <a:accent4>
-        <a:srgbClr val="EDEF00"/>
+        <a:srgbClr val="DA823B"/>
       </a:accent4>
       <a:accent5>
-        <a:srgbClr val="24CBE5"/>
+        <a:srgbClr val="625D3C"/>
       </a:accent5>
       <a:accent6>
-        <a:srgbClr val="64E572"/>
+        <a:srgbClr val="00384A"/>
       </a:accent6>
       <a:hlink>
-        <a:srgbClr val="2200CC"/>
+        <a:srgbClr val="227A78"/>
       </a:hlink>
       <a:folHlink>
-        <a:srgbClr val="551A8B"/>
+        <a:srgbClr val="394749"/>
       </a:folHlink>
     </a:clrScheme>
     <a:fontScheme name="Office">
@@ -10794,9 +10794,9 @@
 </file>
 
 <file path=ppt/theme/theme2.xml><?xml version="1.0" encoding="utf-8"?>
-<a:theme xmlns:a="http://schemas.openxmlformats.org/drawingml/2006/main" xmlns:r="http://schemas.openxmlformats.org/officeDocument/2006/relationships" name="modern">
+<a:theme xmlns:a="http://schemas.openxmlformats.org/drawingml/2006/main" xmlns:r="http://schemas.openxmlformats.org/officeDocument/2006/relationships" name="Custom Theme">
   <a:themeElements>
-    <a:clrScheme name="Custom 348">
+    <a:clrScheme name="Default">
       <a:dk1>
         <a:srgbClr val="000000"/>
       </a:dk1>
@@ -10804,34 +10804,34 @@
         <a:srgbClr val="FFFFFF"/>
       </a:lt1>
       <a:dk2>
-        <a:srgbClr val="191919"/>
+        <a:srgbClr val="158158"/>
       </a:dk2>
       <a:lt2>
-        <a:srgbClr val="CCCCCC"/>
+        <a:srgbClr val="F3F3F3"/>
       </a:lt2>
       <a:accent1>
-        <a:srgbClr val="7E5554"/>
+        <a:srgbClr val="058DC7"/>
       </a:accent1>
       <a:accent2>
-        <a:srgbClr val="910A10"/>
+        <a:srgbClr val="50B432"/>
       </a:accent2>
       <a:accent3>
-        <a:srgbClr val="84294D"/>
+        <a:srgbClr val="ED561B"/>
       </a:accent3>
       <a:accent4>
-        <a:srgbClr val="DA823B"/>
+        <a:srgbClr val="EDEF00"/>
       </a:accent4>
       <a:accent5>
-        <a:srgbClr val="625D3C"/>
+        <a:srgbClr val="24CBE5"/>
       </a:accent5>
       <a:accent6>
-        <a:srgbClr val="00384A"/>
+        <a:srgbClr val="64E572"/>
       </a:accent6>
       <a:hlink>
-        <a:srgbClr val="227A78"/>
+        <a:srgbClr val="2200CC"/>
       </a:hlink>
       <a:folHlink>
-        <a:srgbClr val="394749"/>
+        <a:srgbClr val="551A8B"/>
       </a:folHlink>
     </a:clrScheme>
     <a:fontScheme name="Office">
